--- a/15520659-15520560-pano360/Slide-bao-cao.pptx
+++ b/15520659-15520560-pano360/Slide-bao-cao.pptx
@@ -4519,15 +4519,15 @@
         </p:nvSpPr>
         <p:spPr>
           <a:xfrm>
-            <a:off x="1527451" y="4876800"/>
-            <a:ext cx="6092825" cy="646331"/>
+            <a:off x="989013" y="4876800"/>
+            <a:ext cx="10286998" cy="646331"/>
           </a:xfrm>
           <a:prstGeom prst="rect">
             <a:avLst/>
           </a:prstGeom>
         </p:spPr>
         <p:txBody>
-          <a:bodyPr>
+          <a:bodyPr wrap="square">
             <a:spAutoFit/>
           </a:bodyPr>
           <a:lstStyle/>
@@ -4550,7 +4550,17 @@
                 <a:latin typeface="Times New Roman" panose="02020603050405020304" pitchFamily="18" charset="0"/>
                 <a:cs typeface="Times New Roman" panose="02020603050405020304" pitchFamily="18" charset="0"/>
               </a:rPr>
-              <a:t>:</a:t>
+              <a:t>: </a:t>
+            </a:r>
+            <a:r>
+              <a:rPr lang="en-US" dirty="0">
+                <a:highlight>
+                  <a:srgbClr val="00FFFF"/>
+                </a:highlight>
+                <a:latin typeface="Times New Roman" panose="02020603050405020304" pitchFamily="18" charset="0"/>
+                <a:cs typeface="Times New Roman" panose="02020603050405020304" pitchFamily="18" charset="0"/>
+              </a:rPr>
+              <a:t>https://github.com/PhuongDuykhtn/Thi-Giac-May-Tinh/tree/master/15520659-15520560-pano360</a:t>
             </a:r>
           </a:p>
           <a:p>

--- a/15520659-15520560-pano360/Slide-bao-cao.pptx
+++ b/15520659-15520560-pano360/Slide-bao-cao.pptx
@@ -316,7 +316,7 @@
           <a:p>
             <a:fld id="{004A8D02-4E65-4CCD-8312-4AB164C6C77D}" type="datetimeFigureOut">
               <a:rPr lang="en-US"/>
-              <a:t>6/25/2018</a:t>
+              <a:t>6/26/2018</a:t>
             </a:fld>
             <a:endParaRPr/>
           </a:p>
@@ -481,7 +481,7 @@
           <a:p>
             <a:fld id="{67A755D9-D361-47B8-9652-3B4EA9776CE5}" type="datetimeFigureOut">
               <a:rPr lang="en-US"/>
-              <a:t>6/25/2018</a:t>
+              <a:t>6/26/2018</a:t>
             </a:fld>
             <a:endParaRPr/>
           </a:p>
@@ -1219,7 +1219,7 @@
           <a:p>
             <a:fld id="{83829175-527E-46A3-863C-1BB1F163B849}" type="datetimeFigureOut">
               <a:rPr lang="en-US" smtClean="0"/>
-              <a:t>6/25/2018</a:t>
+              <a:t>6/26/2018</a:t>
             </a:fld>
             <a:endParaRPr lang="en-US"/>
           </a:p>
@@ -1420,7 +1420,7 @@
           <a:p>
             <a:fld id="{83829175-527E-46A3-863C-1BB1F163B849}" type="datetimeFigureOut">
               <a:rPr lang="en-US" smtClean="0"/>
-              <a:t>6/25/2018</a:t>
+              <a:t>6/26/2018</a:t>
             </a:fld>
             <a:endParaRPr lang="en-US"/>
           </a:p>
@@ -1631,7 +1631,7 @@
           <a:p>
             <a:fld id="{83829175-527E-46A3-863C-1BB1F163B849}" type="datetimeFigureOut">
               <a:rPr lang="en-US" smtClean="0"/>
-              <a:t>6/25/2018</a:t>
+              <a:t>6/26/2018</a:t>
             </a:fld>
             <a:endParaRPr lang="en-US"/>
           </a:p>
@@ -1832,7 +1832,7 @@
           <a:p>
             <a:fld id="{83829175-527E-46A3-863C-1BB1F163B849}" type="datetimeFigureOut">
               <a:rPr lang="en-US" smtClean="0"/>
-              <a:t>6/25/2018</a:t>
+              <a:t>6/26/2018</a:t>
             </a:fld>
             <a:endParaRPr lang="en-US"/>
           </a:p>
@@ -2108,7 +2108,7 @@
           <a:p>
             <a:fld id="{83829175-527E-46A3-863C-1BB1F163B849}" type="datetimeFigureOut">
               <a:rPr lang="en-US" smtClean="0"/>
-              <a:t>6/25/2018</a:t>
+              <a:t>6/26/2018</a:t>
             </a:fld>
             <a:endParaRPr lang="en-US" dirty="0"/>
           </a:p>
@@ -2425,7 +2425,7 @@
           <a:p>
             <a:fld id="{83829175-527E-46A3-863C-1BB1F163B849}" type="datetimeFigureOut">
               <a:rPr lang="en-US" smtClean="0"/>
-              <a:t>6/25/2018</a:t>
+              <a:t>6/26/2018</a:t>
             </a:fld>
             <a:endParaRPr lang="en-US" dirty="0"/>
           </a:p>
@@ -2893,7 +2893,7 @@
           <a:p>
             <a:fld id="{83829175-527E-46A3-863C-1BB1F163B849}" type="datetimeFigureOut">
               <a:rPr lang="en-US" smtClean="0"/>
-              <a:t>6/25/2018</a:t>
+              <a:t>6/26/2018</a:t>
             </a:fld>
             <a:endParaRPr lang="en-US"/>
           </a:p>
@@ -3026,7 +3026,7 @@
           <a:p>
             <a:fld id="{83829175-527E-46A3-863C-1BB1F163B849}" type="datetimeFigureOut">
               <a:rPr lang="en-US" smtClean="0"/>
-              <a:t>6/25/2018</a:t>
+              <a:t>6/26/2018</a:t>
             </a:fld>
             <a:endParaRPr lang="en-US"/>
           </a:p>
@@ -3136,7 +3136,7 @@
           <a:p>
             <a:fld id="{83829175-527E-46A3-863C-1BB1F163B849}" type="datetimeFigureOut">
               <a:rPr lang="en-US" smtClean="0"/>
-              <a:t>6/25/2018</a:t>
+              <a:t>6/26/2018</a:t>
             </a:fld>
             <a:endParaRPr lang="en-US"/>
           </a:p>
@@ -3438,7 +3438,7 @@
             <a:fld id="{83829175-527E-46A3-863C-1BB1F163B849}" type="datetimeFigureOut">
               <a:rPr lang="en-US" smtClean="0"/>
               <a:pPr/>
-              <a:t>6/25/2018</a:t>
+              <a:t>6/26/2018</a:t>
             </a:fld>
             <a:endParaRPr lang="en-US"/>
           </a:p>
@@ -3734,7 +3734,7 @@
             <a:fld id="{83829175-527E-46A3-863C-1BB1F163B849}" type="datetimeFigureOut">
               <a:rPr lang="en-US" smtClean="0"/>
               <a:pPr/>
-              <a:t>6/25/2018</a:t>
+              <a:t>6/26/2018</a:t>
             </a:fld>
             <a:endParaRPr lang="en-US"/>
           </a:p>
@@ -4013,7 +4013,7 @@
             <a:fld id="{83829175-527E-46A3-863C-1BB1F163B849}" type="datetimeFigureOut">
               <a:rPr lang="en-US" smtClean="0"/>
               <a:pPr/>
-              <a:t>6/25/2018</a:t>
+              <a:t>6/26/2018</a:t>
             </a:fld>
             <a:endParaRPr lang="en-US"/>
           </a:p>
@@ -4575,14 +4575,24 @@
               <a:t>Youtube</a:t>
             </a:r>
             <a:r>
-              <a:rPr lang="en-US" dirty="0">
+              <a:rPr lang="en-US" dirty="0" err="1">
                 <a:highlight>
-                  <a:srgbClr val="FFFF00"/>
+                  <a:srgbClr val="00FFFF"/>
                 </a:highlight>
                 <a:latin typeface="Times New Roman" panose="02020603050405020304" pitchFamily="18" charset="0"/>
                 <a:cs typeface="Times New Roman" panose="02020603050405020304" pitchFamily="18" charset="0"/>
               </a:rPr>
-              <a:t>:</a:t>
+              <a:t>:https</a:t>
+            </a:r>
+            <a:r>
+              <a:rPr lang="en-US" dirty="0">
+                <a:highlight>
+                  <a:srgbClr val="00FFFF"/>
+                </a:highlight>
+                <a:latin typeface="Times New Roman" panose="02020603050405020304" pitchFamily="18" charset="0"/>
+                <a:cs typeface="Times New Roman" panose="02020603050405020304" pitchFamily="18" charset="0"/>
+              </a:rPr>
+              <a:t>://youtu.be/z9MuBb7yGN8</a:t>
             </a:r>
           </a:p>
         </p:txBody>
